--- a/Documentation/Demo Presentation/week6_presentation.pptx
+++ b/Documentation/Demo Presentation/week6_presentation.pptx
@@ -14,7 +14,7 @@
     <p:sldId id="256" r:id="rId5"/>
     <p:sldId id="262" r:id="rId6"/>
     <p:sldId id="289" r:id="rId7"/>
-    <p:sldId id="286" r:id="rId8"/>
+    <p:sldId id="290" r:id="rId8"/>
     <p:sldId id="288" r:id="rId9"/>
     <p:sldId id="268" r:id="rId10"/>
   </p:sldIdLst>
@@ -135,6 +135,14 @@
     </p:ext>
   </p:extLst>
 </p:presentation>
+</file>
+
+<file path=ppt/revisionInfo.xml><?xml version="1.0" encoding="utf-8"?>
+<p1510:revInfo xmlns:a="http://schemas.openxmlformats.org/drawingml/2006/main" xmlns:r="http://schemas.openxmlformats.org/officeDocument/2006/relationships" xmlns:p1510="http://schemas.microsoft.com/office/powerpoint/2015/10/main">
+  <p1510:revLst>
+    <p1510:client id="{2E9512F1-0914-408A-B713-859A60BF859E}" v="2" dt="2021-03-25T17:08:46.782"/>
+  </p1510:revLst>
+</p1510:revInfo>
 </file>
 
 <file path=ppt/handoutMasters/handoutMaster1.xml><?xml version="1.0" encoding="utf-8"?>
@@ -2002,10 +2010,9 @@
           <a:p>
             <a:pPr marL="228600" lvl="0" indent="-228600"/>
             <a:r>
-              <a:rPr lang="en-US" noProof="0" smtClean="0"/>
+              <a:rPr lang="en-US" noProof="0"/>
               <a:t>Click to edit Master subtitle style</a:t>
             </a:r>
-            <a:endParaRPr lang="en-US" noProof="0"/>
           </a:p>
         </p:txBody>
       </p:sp>
@@ -2711,10 +2718,9 @@
           <a:p>
             <a:pPr lvl="0"/>
             <a:r>
-              <a:rPr lang="en-US" noProof="0" smtClean="0"/>
+              <a:rPr lang="en-US" noProof="0"/>
               <a:t>Click to edit Master title style</a:t>
             </a:r>
-            <a:endParaRPr lang="en-US" noProof="0"/>
           </a:p>
         </p:txBody>
       </p:sp>
@@ -3285,38 +3291,37 @@
           <a:p>
             <a:pPr lvl="0"/>
             <a:r>
-              <a:rPr lang="en-US" noProof="0" smtClean="0"/>
+              <a:rPr lang="en-US" noProof="0"/>
               <a:t>Edit Master text styles</a:t>
             </a:r>
           </a:p>
           <a:p>
             <a:pPr lvl="1"/>
             <a:r>
-              <a:rPr lang="en-US" noProof="0" smtClean="0"/>
+              <a:rPr lang="en-US" noProof="0"/>
               <a:t>Second level</a:t>
             </a:r>
           </a:p>
           <a:p>
             <a:pPr lvl="2"/>
             <a:r>
-              <a:rPr lang="en-US" noProof="0" smtClean="0"/>
+              <a:rPr lang="en-US" noProof="0"/>
               <a:t>Third level</a:t>
             </a:r>
           </a:p>
           <a:p>
             <a:pPr lvl="3"/>
             <a:r>
-              <a:rPr lang="en-US" noProof="0" smtClean="0"/>
+              <a:rPr lang="en-US" noProof="0"/>
               <a:t>Fourth level</a:t>
             </a:r>
           </a:p>
           <a:p>
             <a:pPr lvl="4"/>
             <a:r>
-              <a:rPr lang="en-US" noProof="0" smtClean="0"/>
+              <a:rPr lang="en-US" noProof="0"/>
               <a:t>Fifth level</a:t>
             </a:r>
-            <a:endParaRPr lang="en-US" noProof="0"/>
           </a:p>
         </p:txBody>
       </p:sp>
@@ -3386,38 +3391,37 @@
           <a:p>
             <a:pPr lvl="0"/>
             <a:r>
-              <a:rPr lang="en-US" noProof="0" smtClean="0"/>
+              <a:rPr lang="en-US" noProof="0"/>
               <a:t>Edit Master text styles</a:t>
             </a:r>
           </a:p>
           <a:p>
             <a:pPr lvl="1"/>
             <a:r>
-              <a:rPr lang="en-US" noProof="0" smtClean="0"/>
+              <a:rPr lang="en-US" noProof="0"/>
               <a:t>Second level</a:t>
             </a:r>
           </a:p>
           <a:p>
             <a:pPr lvl="2"/>
             <a:r>
-              <a:rPr lang="en-US" noProof="0" smtClean="0"/>
+              <a:rPr lang="en-US" noProof="0"/>
               <a:t>Third level</a:t>
             </a:r>
           </a:p>
           <a:p>
             <a:pPr lvl="3"/>
             <a:r>
-              <a:rPr lang="en-US" noProof="0" smtClean="0"/>
+              <a:rPr lang="en-US" noProof="0"/>
               <a:t>Fourth level</a:t>
             </a:r>
           </a:p>
           <a:p>
             <a:pPr lvl="4"/>
             <a:r>
-              <a:rPr lang="en-US" noProof="0" smtClean="0"/>
+              <a:rPr lang="en-US" noProof="0"/>
               <a:t>Fifth level</a:t>
             </a:r>
-            <a:endParaRPr lang="en-US" noProof="0"/>
           </a:p>
         </p:txBody>
       </p:sp>
@@ -4123,10 +4127,9 @@
           <a:p>
             <a:pPr lvl="0"/>
             <a:r>
-              <a:rPr lang="en-US" noProof="0" smtClean="0"/>
+              <a:rPr lang="en-US" noProof="0"/>
               <a:t>Click to edit Master title style</a:t>
             </a:r>
-            <a:endParaRPr lang="en-US" noProof="0"/>
           </a:p>
         </p:txBody>
       </p:sp>
@@ -4533,7 +4536,7 @@
           </a:lstStyle>
           <a:p>
             <a:r>
-              <a:rPr lang="en-US" noProof="0" smtClean="0"/>
+              <a:rPr lang="en-US" noProof="0"/>
               <a:t>Click icon to add picture</a:t>
             </a:r>
             <a:endParaRPr lang="en-US" noProof="0" dirty="0"/>
@@ -4596,7 +4599,7 @@
           </a:lstStyle>
           <a:p>
             <a:r>
-              <a:rPr lang="en-US" noProof="0" smtClean="0"/>
+              <a:rPr lang="en-US" noProof="0"/>
               <a:t>Click icon to add picture</a:t>
             </a:r>
             <a:endParaRPr lang="en-US" noProof="0" dirty="0"/>
@@ -4659,7 +4662,7 @@
           </a:lstStyle>
           <a:p>
             <a:r>
-              <a:rPr lang="en-US" noProof="0" smtClean="0"/>
+              <a:rPr lang="en-US" noProof="0"/>
               <a:t>Click icon to add picture</a:t>
             </a:r>
             <a:endParaRPr lang="en-US" noProof="0" dirty="0"/>
@@ -4722,7 +4725,7 @@
           </a:lstStyle>
           <a:p>
             <a:r>
-              <a:rPr lang="en-US" noProof="0" smtClean="0"/>
+              <a:rPr lang="en-US" noProof="0"/>
               <a:t>Click icon to add picture</a:t>
             </a:r>
             <a:endParaRPr lang="en-US" noProof="0" dirty="0"/>
@@ -4785,7 +4788,7 @@
           </a:lstStyle>
           <a:p>
             <a:r>
-              <a:rPr lang="en-US" noProof="0" smtClean="0"/>
+              <a:rPr lang="en-US" noProof="0"/>
               <a:t>Click icon to add picture</a:t>
             </a:r>
             <a:endParaRPr lang="en-US" noProof="0" dirty="0"/>
@@ -4896,7 +4899,7 @@
           <a:p>
             <a:pPr lvl="0"/>
             <a:r>
-              <a:rPr lang="en-US" noProof="0" smtClean="0"/>
+              <a:rPr lang="en-US" noProof="0"/>
               <a:t>Edit Master text styles</a:t>
             </a:r>
           </a:p>
@@ -5006,7 +5009,7 @@
           <a:p>
             <a:pPr lvl="0"/>
             <a:r>
-              <a:rPr lang="en-US" noProof="0" smtClean="0"/>
+              <a:rPr lang="en-US" noProof="0"/>
               <a:t>Edit Master text styles</a:t>
             </a:r>
           </a:p>
@@ -5116,7 +5119,7 @@
           <a:p>
             <a:pPr lvl="0"/>
             <a:r>
-              <a:rPr lang="en-US" noProof="0" smtClean="0"/>
+              <a:rPr lang="en-US" noProof="0"/>
               <a:t>Edit Master text styles</a:t>
             </a:r>
           </a:p>
@@ -5226,7 +5229,7 @@
           <a:p>
             <a:pPr lvl="0"/>
             <a:r>
-              <a:rPr lang="en-US" noProof="0" smtClean="0"/>
+              <a:rPr lang="en-US" noProof="0"/>
               <a:t>Edit Master text styles</a:t>
             </a:r>
           </a:p>
@@ -5336,7 +5339,7 @@
           <a:p>
             <a:pPr lvl="0"/>
             <a:r>
-              <a:rPr lang="en-US" noProof="0" smtClean="0"/>
+              <a:rPr lang="en-US" noProof="0"/>
               <a:t>Edit Master text styles</a:t>
             </a:r>
           </a:p>
@@ -6388,10 +6391,9 @@
           <a:p>
             <a:pPr lvl="0"/>
             <a:r>
-              <a:rPr lang="en-US" noProof="0" smtClean="0"/>
+              <a:rPr lang="en-US" noProof="0"/>
               <a:t>Click to edit Master title style</a:t>
             </a:r>
-            <a:endParaRPr lang="en-US" noProof="0"/>
           </a:p>
         </p:txBody>
       </p:sp>
@@ -6846,7 +6848,7 @@
           <a:p>
             <a:pPr lvl="0"/>
             <a:r>
-              <a:rPr lang="en-US" noProof="0" smtClean="0"/>
+              <a:rPr lang="en-US" noProof="0"/>
               <a:t>Edit Master text styles</a:t>
             </a:r>
           </a:p>
@@ -7140,7 +7142,7 @@
           <a:p>
             <a:pPr lvl="0"/>
             <a:r>
-              <a:rPr lang="en-US" noProof="0" smtClean="0"/>
+              <a:rPr lang="en-US" noProof="0"/>
               <a:t>Edit Master text styles</a:t>
             </a:r>
           </a:p>
@@ -7250,7 +7252,7 @@
           <a:p>
             <a:pPr lvl="0"/>
             <a:r>
-              <a:rPr lang="en-US" noProof="0" smtClean="0"/>
+              <a:rPr lang="en-US" noProof="0"/>
               <a:t>Edit Master text styles</a:t>
             </a:r>
           </a:p>
@@ -7958,10 +7960,9 @@
           <a:p>
             <a:pPr lvl="0"/>
             <a:r>
-              <a:rPr lang="en-US" noProof="0" smtClean="0"/>
+              <a:rPr lang="en-US" noProof="0"/>
               <a:t>Click to edit Master title style</a:t>
             </a:r>
-            <a:endParaRPr lang="en-US" noProof="0"/>
           </a:p>
         </p:txBody>
       </p:sp>
@@ -8416,7 +8417,7 @@
           <a:p>
             <a:pPr lvl="0"/>
             <a:r>
-              <a:rPr lang="en-US" noProof="0" smtClean="0"/>
+              <a:rPr lang="en-US" noProof="0"/>
               <a:t>Edit Master text styles</a:t>
             </a:r>
           </a:p>
@@ -9308,10 +9309,9 @@
           <a:p>
             <a:pPr lvl="0"/>
             <a:r>
-              <a:rPr lang="en-US" noProof="0" smtClean="0"/>
+              <a:rPr lang="en-US" noProof="0"/>
               <a:t>Click to edit Master title style</a:t>
             </a:r>
-            <a:endParaRPr lang="en-US" noProof="0"/>
           </a:p>
         </p:txBody>
       </p:sp>
@@ -9871,7 +9871,7 @@
           </a:lstStyle>
           <a:p>
             <a:r>
-              <a:rPr lang="en-US" noProof="0" smtClean="0"/>
+              <a:rPr lang="en-US" noProof="0"/>
               <a:t>Click icon to add picture</a:t>
             </a:r>
             <a:endParaRPr lang="en-US" noProof="0" dirty="0"/>
@@ -9948,7 +9948,7 @@
           <a:p>
             <a:pPr lvl="0"/>
             <a:r>
-              <a:rPr lang="en-US" noProof="0" smtClean="0"/>
+              <a:rPr lang="en-US" noProof="0"/>
               <a:t>Edit Master text styles</a:t>
             </a:r>
           </a:p>
@@ -10656,10 +10656,9 @@
           <a:p>
             <a:pPr lvl="0"/>
             <a:r>
-              <a:rPr lang="en-US" noProof="0" smtClean="0"/>
+              <a:rPr lang="en-US" noProof="0"/>
               <a:t>Click to edit Master title style</a:t>
             </a:r>
-            <a:endParaRPr lang="en-US" noProof="0"/>
           </a:p>
         </p:txBody>
       </p:sp>
@@ -11219,7 +11218,7 @@
           <a:p>
             <a:pPr lvl="0"/>
             <a:r>
-              <a:rPr lang="en-US" noProof="0" smtClean="0"/>
+              <a:rPr lang="en-US" noProof="0"/>
               <a:t>Edit Master text styles</a:t>
             </a:r>
           </a:p>
@@ -11303,38 +11302,37 @@
           <a:p>
             <a:pPr lvl="0"/>
             <a:r>
-              <a:rPr lang="en-US" noProof="0" smtClean="0"/>
+              <a:rPr lang="en-US" noProof="0"/>
               <a:t>Edit Master text styles</a:t>
             </a:r>
           </a:p>
           <a:p>
             <a:pPr lvl="1"/>
             <a:r>
-              <a:rPr lang="en-US" noProof="0" smtClean="0"/>
+              <a:rPr lang="en-US" noProof="0"/>
               <a:t>Second level</a:t>
             </a:r>
           </a:p>
           <a:p>
             <a:pPr lvl="2"/>
             <a:r>
-              <a:rPr lang="en-US" noProof="0" smtClean="0"/>
+              <a:rPr lang="en-US" noProof="0"/>
               <a:t>Third level</a:t>
             </a:r>
           </a:p>
           <a:p>
             <a:pPr lvl="3"/>
             <a:r>
-              <a:rPr lang="en-US" noProof="0" smtClean="0"/>
+              <a:rPr lang="en-US" noProof="0"/>
               <a:t>Fourth level</a:t>
             </a:r>
           </a:p>
           <a:p>
             <a:pPr lvl="4"/>
             <a:r>
-              <a:rPr lang="en-US" noProof="0" smtClean="0"/>
+              <a:rPr lang="en-US" noProof="0"/>
               <a:t>Fifth level</a:t>
             </a:r>
-            <a:endParaRPr lang="en-US" noProof="0"/>
           </a:p>
         </p:txBody>
       </p:sp>
@@ -15449,7 +15447,7 @@
           <a:p>
             <a:pPr marL="228600" lvl="0" indent="-228600"/>
             <a:r>
-              <a:rPr lang="en-US" noProof="0" smtClean="0"/>
+              <a:rPr lang="en-US" noProof="0"/>
               <a:t>Edit Master text styles</a:t>
             </a:r>
           </a:p>
@@ -16778,7 +16776,7 @@
           <a:p>
             <a:pPr marL="228600" lvl="0" indent="-228600"/>
             <a:r>
-              <a:rPr lang="en-US" noProof="0" smtClean="0"/>
+              <a:rPr lang="en-US" noProof="0"/>
               <a:t>Edit Master text styles</a:t>
             </a:r>
           </a:p>
@@ -17956,10 +17954,9 @@
           <a:p>
             <a:pPr lvl="0"/>
             <a:r>
-              <a:rPr lang="en-US" noProof="0" smtClean="0"/>
+              <a:rPr lang="en-US" noProof="0"/>
               <a:t>Click to edit Master title style</a:t>
             </a:r>
-            <a:endParaRPr lang="en-US" noProof="0"/>
           </a:p>
         </p:txBody>
       </p:sp>
@@ -18319,21 +18316,21 @@
           <a:p>
             <a:pPr lvl="0"/>
             <a:r>
-              <a:rPr lang="en-US" noProof="0" smtClean="0"/>
+              <a:rPr lang="en-US" noProof="0"/>
               <a:t>Edit Master text styles</a:t>
             </a:r>
           </a:p>
           <a:p>
             <a:pPr lvl="1"/>
             <a:r>
-              <a:rPr lang="en-US" noProof="0" smtClean="0"/>
+              <a:rPr lang="en-US" noProof="0"/>
               <a:t>Second level</a:t>
             </a:r>
           </a:p>
           <a:p>
             <a:pPr lvl="2"/>
             <a:r>
-              <a:rPr lang="en-US" noProof="0" smtClean="0"/>
+              <a:rPr lang="en-US" noProof="0"/>
               <a:t>Third level</a:t>
             </a:r>
           </a:p>
@@ -19041,10 +19038,9 @@
           <a:p>
             <a:pPr lvl="0"/>
             <a:r>
-              <a:rPr lang="en-US" noProof="0" smtClean="0"/>
+              <a:rPr lang="en-US" noProof="0"/>
               <a:t>Click to edit Master title style</a:t>
             </a:r>
-            <a:endParaRPr lang="en-US" noProof="0"/>
           </a:p>
         </p:txBody>
       </p:sp>
@@ -20241,10 +20237,9 @@
           <a:p>
             <a:pPr lvl="0"/>
             <a:r>
-              <a:rPr lang="en-US" noProof="0" smtClean="0"/>
+              <a:rPr lang="en-US" noProof="0"/>
               <a:t>Click to edit Master title style</a:t>
             </a:r>
-            <a:endParaRPr lang="en-US" noProof="0"/>
           </a:p>
         </p:txBody>
       </p:sp>
@@ -20778,7 +20773,7 @@
           <a:p>
             <a:pPr lvl="0"/>
             <a:r>
-              <a:rPr lang="en-US" noProof="0" smtClean="0"/>
+              <a:rPr lang="en-US" noProof="0"/>
               <a:t>Edit Master text styles</a:t>
             </a:r>
           </a:p>
@@ -21486,10 +21481,9 @@
           <a:p>
             <a:pPr lvl="0"/>
             <a:r>
-              <a:rPr lang="en-US" noProof="0" smtClean="0"/>
+              <a:rPr lang="en-US" noProof="0"/>
               <a:t>Click to edit Master title style</a:t>
             </a:r>
-            <a:endParaRPr lang="en-US" noProof="0"/>
           </a:p>
         </p:txBody>
       </p:sp>
@@ -22048,38 +22042,37 @@
           <a:p>
             <a:pPr lvl="0"/>
             <a:r>
-              <a:rPr lang="en-US" noProof="0" smtClean="0"/>
+              <a:rPr lang="en-US" noProof="0"/>
               <a:t>Edit Master text styles</a:t>
             </a:r>
           </a:p>
           <a:p>
             <a:pPr lvl="1"/>
             <a:r>
-              <a:rPr lang="en-US" noProof="0" smtClean="0"/>
+              <a:rPr lang="en-US" noProof="0"/>
               <a:t>Second level</a:t>
             </a:r>
           </a:p>
           <a:p>
             <a:pPr lvl="2"/>
             <a:r>
-              <a:rPr lang="en-US" noProof="0" smtClean="0"/>
+              <a:rPr lang="en-US" noProof="0"/>
               <a:t>Third level</a:t>
             </a:r>
           </a:p>
           <a:p>
             <a:pPr lvl="3"/>
             <a:r>
-              <a:rPr lang="en-US" noProof="0" smtClean="0"/>
+              <a:rPr lang="en-US" noProof="0"/>
               <a:t>Fourth level</a:t>
             </a:r>
           </a:p>
           <a:p>
             <a:pPr lvl="4"/>
             <a:r>
-              <a:rPr lang="en-US" noProof="0" smtClean="0"/>
+              <a:rPr lang="en-US" noProof="0"/>
               <a:t>Fifth level</a:t>
             </a:r>
-            <a:endParaRPr lang="en-US" noProof="0"/>
           </a:p>
         </p:txBody>
       </p:sp>
@@ -22785,10 +22778,9 @@
           <a:p>
             <a:pPr lvl="0"/>
             <a:r>
-              <a:rPr lang="en-US" noProof="0" smtClean="0"/>
+              <a:rPr lang="en-US" noProof="0"/>
               <a:t>Click to edit Master title style</a:t>
             </a:r>
-            <a:endParaRPr lang="en-US" noProof="0"/>
           </a:p>
         </p:txBody>
       </p:sp>
@@ -23355,7 +23347,7 @@
           <a:p>
             <a:pPr lvl="0"/>
             <a:r>
-              <a:rPr lang="en-US" noProof="0" smtClean="0"/>
+              <a:rPr lang="en-US" noProof="0"/>
               <a:t>Edit Master text styles</a:t>
             </a:r>
           </a:p>
@@ -23433,7 +23425,7 @@
           <a:p>
             <a:pPr lvl="0"/>
             <a:r>
-              <a:rPr lang="en-US" noProof="0" smtClean="0"/>
+              <a:rPr lang="en-US" noProof="0"/>
               <a:t>Edit Master text styles</a:t>
             </a:r>
           </a:p>
@@ -23505,38 +23497,37 @@
           <a:p>
             <a:pPr lvl="0"/>
             <a:r>
-              <a:rPr lang="en-US" noProof="0" smtClean="0"/>
+              <a:rPr lang="en-US" noProof="0"/>
               <a:t>Edit Master text styles</a:t>
             </a:r>
           </a:p>
           <a:p>
             <a:pPr lvl="1"/>
             <a:r>
-              <a:rPr lang="en-US" noProof="0" smtClean="0"/>
+              <a:rPr lang="en-US" noProof="0"/>
               <a:t>Second level</a:t>
             </a:r>
           </a:p>
           <a:p>
             <a:pPr lvl="2"/>
             <a:r>
-              <a:rPr lang="en-US" noProof="0" smtClean="0"/>
+              <a:rPr lang="en-US" noProof="0"/>
               <a:t>Third level</a:t>
             </a:r>
           </a:p>
           <a:p>
             <a:pPr lvl="3"/>
             <a:r>
-              <a:rPr lang="en-US" noProof="0" smtClean="0"/>
+              <a:rPr lang="en-US" noProof="0"/>
               <a:t>Fourth level</a:t>
             </a:r>
           </a:p>
           <a:p>
             <a:pPr lvl="4"/>
             <a:r>
-              <a:rPr lang="en-US" noProof="0" smtClean="0"/>
+              <a:rPr lang="en-US" noProof="0"/>
               <a:t>Fifth level</a:t>
             </a:r>
-            <a:endParaRPr lang="en-US" noProof="0"/>
           </a:p>
         </p:txBody>
       </p:sp>
@@ -23606,38 +23597,37 @@
           <a:p>
             <a:pPr lvl="0"/>
             <a:r>
-              <a:rPr lang="en-US" noProof="0" smtClean="0"/>
+              <a:rPr lang="en-US" noProof="0"/>
               <a:t>Edit Master text styles</a:t>
             </a:r>
           </a:p>
           <a:p>
             <a:pPr lvl="1"/>
             <a:r>
-              <a:rPr lang="en-US" noProof="0" smtClean="0"/>
+              <a:rPr lang="en-US" noProof="0"/>
               <a:t>Second level</a:t>
             </a:r>
           </a:p>
           <a:p>
             <a:pPr lvl="2"/>
             <a:r>
-              <a:rPr lang="en-US" noProof="0" smtClean="0"/>
+              <a:rPr lang="en-US" noProof="0"/>
               <a:t>Third level</a:t>
             </a:r>
           </a:p>
           <a:p>
             <a:pPr lvl="3"/>
             <a:r>
-              <a:rPr lang="en-US" noProof="0" smtClean="0"/>
+              <a:rPr lang="en-US" noProof="0"/>
               <a:t>Fourth level</a:t>
             </a:r>
           </a:p>
           <a:p>
             <a:pPr lvl="4"/>
             <a:r>
-              <a:rPr lang="en-US" noProof="0" smtClean="0"/>
+              <a:rPr lang="en-US" noProof="0"/>
               <a:t>Fifth level</a:t>
             </a:r>
-            <a:endParaRPr lang="en-US" noProof="0"/>
           </a:p>
         </p:txBody>
       </p:sp>
@@ -23708,10 +23698,9 @@
           <a:lstStyle/>
           <a:p>
             <a:r>
-              <a:rPr lang="en-US" noProof="0" smtClean="0"/>
+              <a:rPr lang="en-US" noProof="0"/>
               <a:t>Click to edit Master title style</a:t>
             </a:r>
-            <a:endParaRPr lang="en-US" noProof="0"/>
           </a:p>
         </p:txBody>
       </p:sp>
@@ -23748,38 +23737,37 @@
           <a:p>
             <a:pPr lvl="0"/>
             <a:r>
-              <a:rPr lang="en-US" noProof="0" smtClean="0"/>
+              <a:rPr lang="en-US" noProof="0"/>
               <a:t>Edit Master text styles</a:t>
             </a:r>
           </a:p>
           <a:p>
             <a:pPr lvl="1"/>
             <a:r>
-              <a:rPr lang="en-US" noProof="0" smtClean="0"/>
+              <a:rPr lang="en-US" noProof="0"/>
               <a:t>Second level</a:t>
             </a:r>
           </a:p>
           <a:p>
             <a:pPr lvl="2"/>
             <a:r>
-              <a:rPr lang="en-US" noProof="0" smtClean="0"/>
+              <a:rPr lang="en-US" noProof="0"/>
               <a:t>Third level</a:t>
             </a:r>
           </a:p>
           <a:p>
             <a:pPr lvl="3"/>
             <a:r>
-              <a:rPr lang="en-US" noProof="0" smtClean="0"/>
+              <a:rPr lang="en-US" noProof="0"/>
               <a:t>Fourth level</a:t>
             </a:r>
           </a:p>
           <a:p>
             <a:pPr lvl="4"/>
             <a:r>
-              <a:rPr lang="en-US" noProof="0" smtClean="0"/>
+              <a:rPr lang="en-US" noProof="0"/>
               <a:t>Fifth level</a:t>
             </a:r>
-            <a:endParaRPr lang="en-US" noProof="0"/>
           </a:p>
         </p:txBody>
       </p:sp>
@@ -25412,7 +25400,7 @@
       </a:lvl9pPr>
     </p:otherStyle>
   </p:txStyles>
-  <p:extLst mod="1">
+  <p:extLst>
     <p:ext uri="{27BBF7A9-308A-43DC-89C8-2F10F3537804}">
       <p15:sldGuideLst xmlns:p15="http://schemas.microsoft.com/office/powerpoint/2012/main">
         <p15:guide id="1" orient="horz" pos="2160" userDrawn="1">
@@ -25508,7 +25496,7 @@
               <a:buNone/>
             </a:pPr>
             <a:r>
-              <a:rPr lang="en-US" b="1" dirty="0" smtClean="0">
+              <a:rPr lang="en-US" b="1" dirty="0">
                 <a:latin typeface="Calibri" panose="020F0502020204030204" pitchFamily="34" charset="0"/>
                 <a:ea typeface="Tahoma" panose="020B0604030504040204" pitchFamily="34" charset="0"/>
                 <a:cs typeface="Calibri" panose="020F0502020204030204" pitchFamily="34" charset="0"/>
@@ -25516,7 +25504,7 @@
               <a:t>Class</a:t>
             </a:r>
             <a:r>
-              <a:rPr lang="en-US" dirty="0" smtClean="0">
+              <a:rPr lang="en-US" dirty="0">
                 <a:latin typeface="Calibri" panose="020F0502020204030204" pitchFamily="34" charset="0"/>
                 <a:ea typeface="Tahoma" panose="020B0604030504040204" pitchFamily="34" charset="0"/>
                 <a:cs typeface="Calibri" panose="020F0502020204030204" pitchFamily="34" charset="0"/>
@@ -25529,7 +25517,7 @@
               <a:buNone/>
             </a:pPr>
             <a:r>
-              <a:rPr lang="en-US" b="1" dirty="0" smtClean="0">
+              <a:rPr lang="en-US" b="1" dirty="0">
                 <a:latin typeface="Calibri" panose="020F0502020204030204" pitchFamily="34" charset="0"/>
                 <a:ea typeface="Tahoma" panose="020B0604030504040204" pitchFamily="34" charset="0"/>
                 <a:cs typeface="Calibri" panose="020F0502020204030204" pitchFamily="34" charset="0"/>
@@ -25537,7 +25525,7 @@
               <a:t>Group</a:t>
             </a:r>
             <a:r>
-              <a:rPr lang="en-US" dirty="0" smtClean="0">
+              <a:rPr lang="en-US" dirty="0">
                 <a:latin typeface="Calibri" panose="020F0502020204030204" pitchFamily="34" charset="0"/>
                 <a:ea typeface="Tahoma" panose="020B0604030504040204" pitchFamily="34" charset="0"/>
                 <a:cs typeface="Calibri" panose="020F0502020204030204" pitchFamily="34" charset="0"/>
@@ -25550,23 +25538,15 @@
               <a:buNone/>
             </a:pPr>
             <a:r>
-              <a:rPr lang="en-US" b="1" dirty="0" smtClean="0">
+              <a:rPr lang="en-US" b="1" dirty="0">
                 <a:latin typeface="Calibri" panose="020F0502020204030204" pitchFamily="34" charset="0"/>
                 <a:ea typeface="Tahoma" panose="020B0604030504040204" pitchFamily="34" charset="0"/>
                 <a:cs typeface="Calibri" panose="020F0502020204030204" pitchFamily="34" charset="0"/>
               </a:rPr>
-              <a:t>Team </a:t>
+              <a:t>Team “</a:t>
             </a:r>
             <a:r>
-              <a:rPr lang="en-US" b="1" dirty="0" smtClean="0">
-                <a:latin typeface="Calibri" panose="020F0502020204030204" pitchFamily="34" charset="0"/>
-                <a:ea typeface="Tahoma" panose="020B0604030504040204" pitchFamily="34" charset="0"/>
-                <a:cs typeface="Calibri" panose="020F0502020204030204" pitchFamily="34" charset="0"/>
-              </a:rPr>
-              <a:t>“</a:t>
-            </a:r>
-            <a:r>
-              <a:rPr lang="en-US" b="1" dirty="0" err="1" smtClean="0">
+              <a:rPr lang="en-US" b="1" dirty="0" err="1">
                 <a:latin typeface="Calibri" panose="020F0502020204030204" pitchFamily="34" charset="0"/>
                 <a:ea typeface="Tahoma" panose="020B0604030504040204" pitchFamily="34" charset="0"/>
                 <a:cs typeface="Calibri" panose="020F0502020204030204" pitchFamily="34" charset="0"/>
@@ -25574,49 +25554,31 @@
               <a:t>BulCari</a:t>
             </a:r>
             <a:r>
-              <a:rPr lang="en-US" b="1" dirty="0" smtClean="0">
+              <a:rPr lang="en-US" b="1" dirty="0">
                 <a:latin typeface="Calibri" panose="020F0502020204030204" pitchFamily="34" charset="0"/>
                 <a:ea typeface="Tahoma" panose="020B0604030504040204" pitchFamily="34" charset="0"/>
                 <a:cs typeface="Calibri" panose="020F0502020204030204" pitchFamily="34" charset="0"/>
               </a:rPr>
-              <a:t>” members</a:t>
-            </a:r>
-            <a:r>
-              <a:rPr lang="en-US" b="1" dirty="0" smtClean="0">
-                <a:latin typeface="Calibri" panose="020F0502020204030204" pitchFamily="34" charset="0"/>
-                <a:ea typeface="Tahoma" panose="020B0604030504040204" pitchFamily="34" charset="0"/>
-                <a:cs typeface="Calibri" panose="020F0502020204030204" pitchFamily="34" charset="0"/>
-              </a:rPr>
-              <a:t>:</a:t>
+              <a:t>” members:</a:t>
             </a:r>
           </a:p>
           <a:p>
             <a:pPr lvl="1" algn="just"/>
             <a:r>
-              <a:rPr lang="en-US" sz="1800" dirty="0" smtClean="0">
+              <a:rPr lang="en-US" sz="1800" dirty="0">
                 <a:solidFill>
                   <a:schemeClr val="bg1"/>
                 </a:solidFill>
                 <a:latin typeface="Calibri" panose="020F0502020204030204" pitchFamily="34" charset="0"/>
                 <a:cs typeface="Calibri" panose="020F0502020204030204" pitchFamily="34" charset="0"/>
               </a:rPr>
-              <a:t>Tony </a:t>
-            </a:r>
-            <a:r>
-              <a:rPr lang="en-US" sz="1800" dirty="0" smtClean="0">
-                <a:solidFill>
-                  <a:schemeClr val="bg1"/>
-                </a:solidFill>
-                <a:latin typeface="Calibri" panose="020F0502020204030204" pitchFamily="34" charset="0"/>
-                <a:cs typeface="Calibri" panose="020F0502020204030204" pitchFamily="34" charset="0"/>
-              </a:rPr>
-              <a:t>Jiang</a:t>
+              <a:t>Tony Jiang</a:t>
             </a:r>
           </a:p>
           <a:p>
             <a:pPr lvl="1" algn="just"/>
             <a:r>
-              <a:rPr lang="en-US" sz="1800" dirty="0" err="1" smtClean="0">
+              <a:rPr lang="en-US" sz="1800" dirty="0" err="1">
                 <a:solidFill>
                   <a:schemeClr val="bg1"/>
                 </a:solidFill>
@@ -25626,7 +25588,7 @@
               <a:t>Stoycho</a:t>
             </a:r>
             <a:r>
-              <a:rPr lang="en-US" sz="1800" dirty="0" smtClean="0">
+              <a:rPr lang="en-US" sz="1800" dirty="0">
                 <a:solidFill>
                   <a:schemeClr val="bg1"/>
                 </a:solidFill>
@@ -25636,7 +25598,7 @@
               <a:t> </a:t>
             </a:r>
             <a:r>
-              <a:rPr lang="en-US" sz="1800" dirty="0" err="1" smtClean="0">
+              <a:rPr lang="en-US" sz="1800" dirty="0" err="1">
                 <a:solidFill>
                   <a:schemeClr val="bg1"/>
                 </a:solidFill>
@@ -25645,7 +25607,7 @@
               </a:rPr>
               <a:t>Stoychev</a:t>
             </a:r>
-            <a:endParaRPr lang="en-US" sz="1800" dirty="0" smtClean="0">
+            <a:endParaRPr lang="en-US" sz="1800" dirty="0">
               <a:solidFill>
                 <a:schemeClr val="bg1"/>
               </a:solidFill>
@@ -25656,7 +25618,7 @@
           <a:p>
             <a:pPr lvl="1" algn="just"/>
             <a:r>
-              <a:rPr lang="en-US" sz="1800" dirty="0" err="1" smtClean="0">
+              <a:rPr lang="en-US" sz="1800" dirty="0" err="1">
                 <a:solidFill>
                   <a:schemeClr val="bg1"/>
                 </a:solidFill>
@@ -25666,7 +25628,7 @@
               <a:t>Veronika</a:t>
             </a:r>
             <a:r>
-              <a:rPr lang="en-US" sz="1800" dirty="0" smtClean="0">
+              <a:rPr lang="en-US" sz="1800" dirty="0">
                 <a:solidFill>
                   <a:schemeClr val="bg1"/>
                 </a:solidFill>
@@ -25706,7 +25668,7 @@
               <a:t>Stela </a:t>
             </a:r>
             <a:r>
-              <a:rPr lang="en-US" sz="1800" dirty="0" err="1" smtClean="0">
+              <a:rPr lang="en-US" sz="1800" dirty="0" err="1">
                 <a:solidFill>
                   <a:schemeClr val="bg1"/>
                 </a:solidFill>
@@ -25715,7 +25677,7 @@
               </a:rPr>
               <a:t>Trencheva</a:t>
             </a:r>
-            <a:endParaRPr lang="en-US" sz="1800" dirty="0" smtClean="0">
+            <a:endParaRPr lang="en-US" sz="1800" dirty="0">
               <a:solidFill>
                 <a:schemeClr val="bg1"/>
               </a:solidFill>
@@ -25823,18 +25785,13 @@
           <a:p>
             <a:pPr algn="ctr"/>
             <a:r>
-              <a:rPr lang="en-US" sz="7200" dirty="0" smtClean="0">
+              <a:rPr lang="en-US" sz="7200" dirty="0">
                 <a:solidFill>
                   <a:schemeClr val="bg1"/>
                 </a:solidFill>
               </a:rPr>
               <a:t>Media Bazaar</a:t>
             </a:r>
-            <a:endParaRPr lang="en-US" sz="7200" dirty="0">
-              <a:solidFill>
-                <a:schemeClr val="bg1"/>
-              </a:solidFill>
-            </a:endParaRPr>
           </a:p>
         </p:txBody>
       </p:sp>
@@ -25851,13 +25808,6 @@
   <p:transition spd="slow">
     <p:wipe/>
   </p:transition>
-  <p:timing>
-    <p:tnLst>
-      <p:par>
-        <p:cTn id="1" dur="indefinite" restart="never" nodeType="tmRoot"/>
-      </p:par>
-    </p:tnLst>
-  </p:timing>
 </p:sld>
 </file>
 
@@ -25900,10 +25850,9 @@
           <a:lstStyle/>
           <a:p>
             <a:r>
-              <a:rPr lang="en-US" dirty="0" smtClean="0"/>
+              <a:rPr lang="en-US" dirty="0"/>
               <a:t>Content</a:t>
             </a:r>
-            <a:endParaRPr lang="en-US" dirty="0"/>
           </a:p>
         </p:txBody>
       </p:sp>
@@ -25930,7 +25879,7 @@
                 <a14:useLocalDpi xmlns:a14="http://schemas.microsoft.com/office/drawing/2010/main"/>
               </a:ext>
               <a:ext uri="{96DAC541-7B7A-43D3-8B79-37D633B846F1}">
-                <asvg:svgBlip xmlns="" xmlns:asvg="http://schemas.microsoft.com/office/drawing/2016/SVG/main" r:embed="rId3"/>
+                <asvg:svgBlip xmlns:asvg="http://schemas.microsoft.com/office/drawing/2016/SVG/main" r:embed="rId3"/>
               </a:ext>
             </a:extLst>
           </a:blip>
@@ -25973,10 +25922,9 @@
           <a:lstStyle/>
           <a:p>
             <a:r>
-              <a:rPr lang="en-US" sz="2000" dirty="0" smtClean="0"/>
+              <a:rPr lang="en-US" sz="2000" dirty="0"/>
               <a:t>Demo</a:t>
             </a:r>
-            <a:endParaRPr lang="en-US" sz="2000" dirty="0"/>
           </a:p>
         </p:txBody>
       </p:sp>
@@ -26003,7 +25951,7 @@
                 <a14:useLocalDpi xmlns:a14="http://schemas.microsoft.com/office/drawing/2010/main"/>
               </a:ext>
               <a:ext uri="{96DAC541-7B7A-43D3-8B79-37D633B846F1}">
-                <asvg:svgBlip xmlns="" xmlns:asvg="http://schemas.microsoft.com/office/drawing/2016/SVG/main" r:embed="rId9"/>
+                <asvg:svgBlip xmlns:asvg="http://schemas.microsoft.com/office/drawing/2016/SVG/main" r:embed="rId5"/>
               </a:ext>
             </a:extLst>
           </a:blip>
@@ -26046,16 +25994,15 @@
           <a:lstStyle/>
           <a:p>
             <a:r>
-              <a:rPr lang="en-US" sz="2000" dirty="0" smtClean="0"/>
+              <a:rPr lang="en-US" sz="2000" dirty="0"/>
               <a:t>Personal</a:t>
             </a:r>
           </a:p>
           <a:p>
             <a:r>
-              <a:rPr lang="en-US" sz="2000" dirty="0" smtClean="0"/>
+              <a:rPr lang="en-US" sz="2000" dirty="0"/>
               <a:t>Reflection</a:t>
             </a:r>
-            <a:endParaRPr lang="en-US" sz="2000" dirty="0"/>
           </a:p>
         </p:txBody>
       </p:sp>
@@ -26076,13 +26023,13 @@
           </p:nvPr>
         </p:nvPicPr>
         <p:blipFill>
-          <a:blip r:embed="rId10">
+          <a:blip r:embed="rId6">
             <a:extLst>
               <a:ext uri="{28A0092B-C50C-407E-A947-70E740481C1C}">
                 <a14:useLocalDpi xmlns:a14="http://schemas.microsoft.com/office/drawing/2010/main"/>
               </a:ext>
               <a:ext uri="{96DAC541-7B7A-43D3-8B79-37D633B846F1}">
-                <asvg:svgBlip xmlns="" xmlns:asvg="http://schemas.microsoft.com/office/drawing/2016/SVG/main" r:embed="rId11"/>
+                <asvg:svgBlip xmlns:asvg="http://schemas.microsoft.com/office/drawing/2016/SVG/main" r:embed="rId7"/>
               </a:ext>
             </a:extLst>
           </a:blip>
@@ -26125,10 +26072,9 @@
           <a:lstStyle/>
           <a:p>
             <a:r>
-              <a:rPr lang="en-US" sz="2000" dirty="0" smtClean="0"/>
+              <a:rPr lang="en-US" sz="2000" dirty="0"/>
               <a:t>Questions</a:t>
             </a:r>
-            <a:endParaRPr lang="en-US" sz="2000" dirty="0"/>
           </a:p>
         </p:txBody>
       </p:sp>
@@ -26184,13 +26130,6 @@
       </p:transition>
     </mc:Fallback>
   </mc:AlternateContent>
-  <p:timing>
-    <p:tnLst>
-      <p:par>
-        <p:cTn id="1" dur="indefinite" restart="never" nodeType="tmRoot"/>
-      </p:par>
-    </p:tnLst>
-  </p:timing>
 </p:sld>
 </file>
 
@@ -26229,7 +26168,7 @@
         </p:nvSpPr>
         <p:spPr>
           <a:xfrm>
-            <a:off x="1554916" y="2360024"/>
+            <a:off x="1146544" y="1374602"/>
             <a:ext cx="7781544" cy="1226992"/>
           </a:xfrm>
         </p:spPr>
@@ -26240,10 +26179,9 @@
           <a:lstStyle/>
           <a:p>
             <a:r>
-              <a:rPr lang="en-US" sz="7200" dirty="0" smtClean="0"/>
+              <a:rPr lang="en-US" sz="7200" dirty="0"/>
               <a:t>Demo</a:t>
             </a:r>
-            <a:endParaRPr lang="en-US" sz="7200" dirty="0"/>
           </a:p>
         </p:txBody>
       </p:sp>
@@ -26277,6 +26215,36 @@
           </a:p>
         </p:txBody>
       </p:sp>
+      <p:pic>
+        <p:nvPicPr>
+          <p:cNvPr id="3" name="Picture 2">
+            <a:extLst>
+              <a:ext uri="{FF2B5EF4-FFF2-40B4-BE49-F238E27FC236}">
+                <a16:creationId xmlns:a16="http://schemas.microsoft.com/office/drawing/2014/main" id="{46AF96A2-43C5-4D49-A725-7F4E7C579F8A}"/>
+              </a:ext>
+            </a:extLst>
+          </p:cNvPr>
+          <p:cNvPicPr>
+            <a:picLocks noChangeAspect="1"/>
+          </p:cNvPicPr>
+          <p:nvPr/>
+        </p:nvPicPr>
+        <p:blipFill>
+          <a:blip r:embed="rId2"/>
+          <a:stretch>
+            <a:fillRect/>
+          </a:stretch>
+        </p:blipFill>
+        <p:spPr>
+          <a:xfrm>
+            <a:off x="1146544" y="2388598"/>
+            <a:ext cx="9437426" cy="3359187"/>
+          </a:xfrm>
+          <a:prstGeom prst="rect">
+            <a:avLst/>
+          </a:prstGeom>
+        </p:spPr>
+      </p:pic>
     </p:spTree>
     <p:extLst>
       <p:ext uri="{BB962C8B-B14F-4D97-AF65-F5344CB8AC3E}">
@@ -26302,7 +26270,75 @@
   <p:timing>
     <p:tnLst>
       <p:par>
-        <p:cTn id="1" dur="indefinite" restart="never" nodeType="tmRoot"/>
+        <p:cTn id="1" dur="indefinite" restart="never" nodeType="tmRoot">
+          <p:childTnLst>
+            <p:seq concurrent="1" nextAc="seek">
+              <p:cTn id="2" dur="indefinite" nodeType="mainSeq">
+                <p:childTnLst>
+                  <p:par>
+                    <p:cTn id="3" fill="hold">
+                      <p:stCondLst>
+                        <p:cond delay="indefinite"/>
+                      </p:stCondLst>
+                      <p:childTnLst>
+                        <p:par>
+                          <p:cTn id="4" fill="hold">
+                            <p:stCondLst>
+                              <p:cond delay="0"/>
+                            </p:stCondLst>
+                            <p:childTnLst>
+                              <p:par>
+                                <p:cTn id="5" presetID="1" presetClass="entr" presetSubtype="0" fill="hold" nodeType="clickEffect">
+                                  <p:stCondLst>
+                                    <p:cond delay="0"/>
+                                  </p:stCondLst>
+                                  <p:childTnLst>
+                                    <p:set>
+                                      <p:cBhvr>
+                                        <p:cTn id="6" dur="1" fill="hold">
+                                          <p:stCondLst>
+                                            <p:cond delay="0"/>
+                                          </p:stCondLst>
+                                        </p:cTn>
+                                        <p:tgtEl>
+                                          <p:spTgt spid="3"/>
+                                        </p:tgtEl>
+                                        <p:attrNameLst>
+                                          <p:attrName>style.visibility</p:attrName>
+                                        </p:attrNameLst>
+                                      </p:cBhvr>
+                                      <p:to>
+                                        <p:strVal val="visible"/>
+                                      </p:to>
+                                    </p:set>
+                                  </p:childTnLst>
+                                </p:cTn>
+                              </p:par>
+                            </p:childTnLst>
+                          </p:cTn>
+                        </p:par>
+                      </p:childTnLst>
+                    </p:cTn>
+                  </p:par>
+                </p:childTnLst>
+              </p:cTn>
+              <p:prevCondLst>
+                <p:cond evt="onPrev" delay="0">
+                  <p:tgtEl>
+                    <p:sldTgt/>
+                  </p:tgtEl>
+                </p:cond>
+              </p:prevCondLst>
+              <p:nextCondLst>
+                <p:cond evt="onNext" delay="0">
+                  <p:tgtEl>
+                    <p:sldTgt/>
+                  </p:tgtEl>
+                </p:cond>
+              </p:nextCondLst>
+            </p:seq>
+          </p:childTnLst>
+        </p:cTn>
       </p:par>
     </p:tnLst>
   </p:timing>
@@ -26361,32 +26397,25 @@
     </p:spTree>
     <p:extLst>
       <p:ext uri="{BB962C8B-B14F-4D97-AF65-F5344CB8AC3E}">
-        <p14:creationId xmlns:p14="http://schemas.microsoft.com/office/powerpoint/2010/main" val="458243752"/>
+        <p14:creationId xmlns:p14="http://schemas.microsoft.com/office/powerpoint/2010/main" val="1052556681"/>
       </p:ext>
     </p:extLst>
   </p:cSld>
   <p:clrMapOvr>
     <a:masterClrMapping/>
   </p:clrMapOvr>
-  <mc:AlternateContent xmlns:mc="http://schemas.openxmlformats.org/markup-compatibility/2006" xmlns:p14="http://schemas.microsoft.com/office/powerpoint/2010/main">
-    <mc:Choice Requires="p14">
+  <mc:AlternateContent xmlns:mc="http://schemas.openxmlformats.org/markup-compatibility/2006">
+    <mc:Choice xmlns:p14="http://schemas.microsoft.com/office/powerpoint/2010/main" Requires="p14">
       <p:transition spd="med" p14:dur="700">
         <p:fade/>
       </p:transition>
     </mc:Choice>
-    <mc:Fallback xmlns="">
+    <mc:Fallback>
       <p:transition spd="med">
         <p:fade/>
       </p:transition>
     </mc:Fallback>
   </mc:AlternateContent>
-  <p:timing>
-    <p:tnLst>
-      <p:par>
-        <p:cTn id="1" dur="indefinite" restart="never" nodeType="tmRoot"/>
-      </p:par>
-    </p:tnLst>
-  </p:timing>
 </p:sld>
 </file>
 
@@ -26464,10 +26493,9 @@
           <a:lstStyle/>
           <a:p>
             <a:r>
-              <a:rPr lang="en-US" sz="4000" dirty="0" smtClean="0"/>
+              <a:rPr lang="en-US" sz="4000" dirty="0"/>
               <a:t>Personal Reflections</a:t>
             </a:r>
-            <a:endParaRPr lang="en-US" sz="4000" dirty="0"/>
           </a:p>
         </p:txBody>
       </p:sp>
@@ -26505,7 +26533,7 @@
               <a:buChar char="•"/>
             </a:pPr>
             <a:r>
-              <a:rPr lang="en-US" sz="2000" dirty="0" smtClean="0">
+              <a:rPr lang="en-US" sz="2000" dirty="0">
                 <a:solidFill>
                   <a:schemeClr val="bg1"/>
                 </a:solidFill>
@@ -26519,7 +26547,7 @@
               <a:buChar char="•"/>
             </a:pPr>
             <a:r>
-              <a:rPr lang="en-US" sz="2000" dirty="0" smtClean="0">
+              <a:rPr lang="en-US" sz="2000" dirty="0">
                 <a:solidFill>
                   <a:schemeClr val="bg1"/>
                 </a:solidFill>
@@ -26533,7 +26561,7 @@
               <a:buChar char="•"/>
             </a:pPr>
             <a:r>
-              <a:rPr lang="en-US" sz="2000" dirty="0" smtClean="0">
+              <a:rPr lang="en-US" sz="2000" dirty="0">
                 <a:solidFill>
                   <a:schemeClr val="bg1"/>
                 </a:solidFill>
@@ -26547,7 +26575,7 @@
               <a:buChar char="•"/>
             </a:pPr>
             <a:r>
-              <a:rPr lang="en-US" sz="2000" dirty="0" smtClean="0">
+              <a:rPr lang="en-US" sz="2000" dirty="0">
                 <a:solidFill>
                   <a:schemeClr val="bg1"/>
                 </a:solidFill>
@@ -26587,7 +26615,7 @@
           <a:lstStyle/>
           <a:p>
             <a:r>
-              <a:rPr lang="en-US" sz="2400" dirty="0" err="1" smtClean="0">
+              <a:rPr lang="en-US" sz="2400" dirty="0" err="1">
                 <a:solidFill>
                   <a:schemeClr val="bg1"/>
                 </a:solidFill>
@@ -26596,7 +26624,7 @@
               <a:t>Stoycho</a:t>
             </a:r>
             <a:r>
-              <a:rPr lang="en-US" sz="2400" dirty="0" smtClean="0">
+              <a:rPr lang="en-US" sz="2400" dirty="0">
                 <a:solidFill>
                   <a:schemeClr val="bg1"/>
                 </a:solidFill>
@@ -26604,12 +26632,6 @@
               </a:rPr>
               <a:t>:</a:t>
             </a:r>
-            <a:endParaRPr lang="en-US" sz="2400" dirty="0">
-              <a:solidFill>
-                <a:schemeClr val="bg1"/>
-              </a:solidFill>
-              <a:cs typeface="Calibri" panose="020F0502020204030204" pitchFamily="34" charset="0"/>
-            </a:endParaRPr>
           </a:p>
         </p:txBody>
       </p:sp>
@@ -26636,7 +26658,7 @@
           <a:lstStyle/>
           <a:p>
             <a:r>
-              <a:rPr lang="en-US" sz="2400" dirty="0" smtClean="0">
+              <a:rPr lang="en-US" sz="2400" dirty="0">
                 <a:solidFill>
                   <a:schemeClr val="bg1"/>
                 </a:solidFill>
@@ -26644,12 +26666,6 @@
               </a:rPr>
               <a:t>Tony:</a:t>
             </a:r>
-            <a:endParaRPr lang="en-US" sz="2400" dirty="0">
-              <a:solidFill>
-                <a:schemeClr val="bg1"/>
-              </a:solidFill>
-              <a:cs typeface="Calibri" panose="020F0502020204030204" pitchFamily="34" charset="0"/>
-            </a:endParaRPr>
           </a:p>
         </p:txBody>
       </p:sp>
@@ -26676,7 +26692,7 @@
           <a:lstStyle/>
           <a:p>
             <a:r>
-              <a:rPr lang="en-US" sz="2400" dirty="0" err="1" smtClean="0">
+              <a:rPr lang="en-US" sz="2400" dirty="0" err="1">
                 <a:solidFill>
                   <a:schemeClr val="bg1"/>
                 </a:solidFill>
@@ -26685,7 +26701,7 @@
               <a:t>Veronika</a:t>
             </a:r>
             <a:r>
-              <a:rPr lang="en-US" sz="2400" dirty="0" smtClean="0">
+              <a:rPr lang="en-US" sz="2400" dirty="0">
                 <a:solidFill>
                   <a:schemeClr val="bg1"/>
                 </a:solidFill>
@@ -26693,12 +26709,6 @@
               </a:rPr>
               <a:t>:</a:t>
             </a:r>
-            <a:endParaRPr lang="en-US" sz="2400" dirty="0">
-              <a:solidFill>
-                <a:schemeClr val="bg1"/>
-              </a:solidFill>
-              <a:cs typeface="Calibri" panose="020F0502020204030204" pitchFamily="34" charset="0"/>
-            </a:endParaRPr>
           </a:p>
         </p:txBody>
       </p:sp>
@@ -26725,7 +26735,7 @@
           <a:lstStyle/>
           <a:p>
             <a:r>
-              <a:rPr lang="en-US" sz="2400" dirty="0" smtClean="0">
+              <a:rPr lang="en-US" sz="2400" dirty="0">
                 <a:solidFill>
                   <a:schemeClr val="bg1"/>
                 </a:solidFill>
@@ -26733,12 +26743,6 @@
               </a:rPr>
               <a:t>Stela:</a:t>
             </a:r>
-            <a:endParaRPr lang="en-US" sz="2400" dirty="0">
-              <a:solidFill>
-                <a:schemeClr val="bg1"/>
-              </a:solidFill>
-              <a:cs typeface="Calibri" panose="020F0502020204030204" pitchFamily="34" charset="0"/>
-            </a:endParaRPr>
           </a:p>
         </p:txBody>
       </p:sp>
@@ -27081,7 +27085,7 @@
           <a:p>
             <a:pPr algn="ctr"/>
             <a:r>
-              <a:rPr lang="en-US" dirty="0" smtClean="0"/>
+              <a:rPr lang="en-US" dirty="0"/>
               <a:t>Thank you!</a:t>
             </a:r>
             <a:endParaRPr lang="en-GB" dirty="0"/>
@@ -27136,18 +27140,16 @@
           </a:lstStyle>
           <a:p>
             <a:r>
-              <a:rPr lang="en-US" sz="2800" dirty="0" smtClean="0"/>
+              <a:rPr lang="en-US" sz="2800" dirty="0"/>
               <a:t>Feel free to ask</a:t>
             </a:r>
-            <a:endParaRPr lang="en-US" sz="2800" dirty="0" smtClean="0"/>
           </a:p>
           <a:p>
             <a:pPr algn="ctr"/>
             <a:r>
-              <a:rPr lang="en-US" dirty="0" smtClean="0"/>
+              <a:rPr lang="en-US" dirty="0"/>
               <a:t>Questions</a:t>
             </a:r>
-            <a:endParaRPr lang="en-US" dirty="0"/>
           </a:p>
         </p:txBody>
       </p:sp>
@@ -27173,13 +27175,6 @@
       </p:transition>
     </mc:Fallback>
   </mc:AlternateContent>
-  <p:timing>
-    <p:tnLst>
-      <p:par>
-        <p:cTn id="1" dur="indefinite" restart="never" nodeType="tmRoot"/>
-      </p:par>
-    </p:tnLst>
-  </p:timing>
 </p:sld>
 </file>
 
@@ -27975,6 +27970,23 @@
 </file>
 
 <file path=customXml/item1.xml><?xml version="1.0" encoding="utf-8"?>
+<p:properties xmlns:p="http://schemas.microsoft.com/office/2006/metadata/properties" xmlns:xsi="http://www.w3.org/2001/XMLSchema-instance" xmlns:pc="http://schemas.microsoft.com/office/infopath/2007/PartnerControls">
+  <documentManagement>
+    <MediaServiceKeyPoints xmlns="71af3243-3dd4-4a8d-8c0d-dd76da1f02a5" xsi:nil="true"/>
+  </documentManagement>
+</p:properties>
+</file>
+
+<file path=customXml/item2.xml><?xml version="1.0" encoding="utf-8"?>
+<?mso-contentType ?>
+<FormTemplates xmlns="http://schemas.microsoft.com/sharepoint/v3/contenttype/forms">
+  <Display>DocumentLibraryForm</Display>
+  <Edit>DocumentLibraryForm</Edit>
+  <New>DocumentLibraryForm</New>
+</FormTemplates>
+</file>
+
+<file path=customXml/item3.xml><?xml version="1.0" encoding="utf-8"?>
 <ct:contentTypeSchema xmlns:ct="http://schemas.microsoft.com/office/2006/metadata/contentType" xmlns:ma="http://schemas.microsoft.com/office/2006/metadata/properties/metaAttributes" ct:_="" ma:_="" ma:contentTypeName="Document" ma:contentTypeID="0x01010079F111ED35F8CC479449609E8A0923A6" ma:contentTypeVersion="11" ma:contentTypeDescription="Create a new document." ma:contentTypeScope="" ma:versionID="96291512c1ee715ab617f4c07df79fc1">
   <xsd:schema xmlns:xsd="http://www.w3.org/2001/XMLSchema" xmlns:xs="http://www.w3.org/2001/XMLSchema" xmlns:p="http://schemas.microsoft.com/office/2006/metadata/properties" xmlns:ns2="71af3243-3dd4-4a8d-8c0d-dd76da1f02a5" xmlns:ns3="16c05727-aa75-4e4a-9b5f-8a80a1165891" targetNamespace="http://schemas.microsoft.com/office/2006/metadata/properties" ma:root="true" ma:fieldsID="8256c27c40ca5c40ce1cf6c44f0205df" ns2:_="" ns3:_="">
     <xsd:import namespace="71af3243-3dd4-4a8d-8c0d-dd76da1f02a5"/>
@@ -28185,24 +28197,25 @@
 </ct:contentTypeSchema>
 </file>
 
-<file path=customXml/item2.xml><?xml version="1.0" encoding="utf-8"?>
-<?mso-contentType ?>
-<FormTemplates xmlns="http://schemas.microsoft.com/sharepoint/v3/contenttype/forms">
-  <Display>DocumentLibraryForm</Display>
-  <Edit>DocumentLibraryForm</Edit>
-  <New>DocumentLibraryForm</New>
-</FormTemplates>
+<file path=customXml/itemProps1.xml><?xml version="1.0" encoding="utf-8"?>
+<ds:datastoreItem xmlns:ds="http://schemas.openxmlformats.org/officeDocument/2006/customXml" ds:itemID="{F5757914-1161-4661-9696-421FD6935CDD}">
+  <ds:schemaRefs>
+    <ds:schemaRef ds:uri="http://schemas.microsoft.com/office/2006/metadata/properties"/>
+    <ds:schemaRef ds:uri="http://schemas.microsoft.com/office/infopath/2007/PartnerControls"/>
+    <ds:schemaRef ds:uri="71af3243-3dd4-4a8d-8c0d-dd76da1f02a5"/>
+  </ds:schemaRefs>
+</ds:datastoreItem>
 </file>
 
-<file path=customXml/item3.xml><?xml version="1.0" encoding="utf-8"?>
-<p:properties xmlns:p="http://schemas.microsoft.com/office/2006/metadata/properties" xmlns:xsi="http://www.w3.org/2001/XMLSchema-instance" xmlns:pc="http://schemas.microsoft.com/office/infopath/2007/PartnerControls">
-  <documentManagement>
-    <MediaServiceKeyPoints xmlns="71af3243-3dd4-4a8d-8c0d-dd76da1f02a5" xsi:nil="true"/>
-  </documentManagement>
-</p:properties>
+<file path=customXml/itemProps2.xml><?xml version="1.0" encoding="utf-8"?>
+<ds:datastoreItem xmlns:ds="http://schemas.openxmlformats.org/officeDocument/2006/customXml" ds:itemID="{5B26E0C9-B2AA-42E6-97B6-E1B7D9EAF129}">
+  <ds:schemaRefs>
+    <ds:schemaRef ds:uri="http://schemas.microsoft.com/sharepoint/v3/contenttype/forms"/>
+  </ds:schemaRefs>
+</ds:datastoreItem>
 </file>
 
-<file path=customXml/itemProps1.xml><?xml version="1.0" encoding="utf-8"?>
+<file path=customXml/itemProps3.xml><?xml version="1.0" encoding="utf-8"?>
 <ds:datastoreItem xmlns:ds="http://schemas.openxmlformats.org/officeDocument/2006/customXml" ds:itemID="{4C103400-4A22-4E35-B588-4C4D42638959}">
   <ds:schemaRefs>
     <ds:schemaRef ds:uri="http://schemas.microsoft.com/office/2006/metadata/contentType"/>
@@ -28219,22 +28232,4 @@
     <ds:schemaRef ds:uri="http://schemas.microsoft.com/internal/obd"/>
   </ds:schemaRefs>
 </ds:datastoreItem>
-</file>
-
-<file path=customXml/itemProps2.xml><?xml version="1.0" encoding="utf-8"?>
-<ds:datastoreItem xmlns:ds="http://schemas.openxmlformats.org/officeDocument/2006/customXml" ds:itemID="{5B26E0C9-B2AA-42E6-97B6-E1B7D9EAF129}">
-  <ds:schemaRefs>
-    <ds:schemaRef ds:uri="http://schemas.microsoft.com/sharepoint/v3/contenttype/forms"/>
-  </ds:schemaRefs>
-</ds:datastoreItem>
-</file>
-
-<file path=customXml/itemProps3.xml><?xml version="1.0" encoding="utf-8"?>
-<ds:datastoreItem xmlns:ds="http://schemas.openxmlformats.org/officeDocument/2006/customXml" ds:itemID="{F5757914-1161-4661-9696-421FD6935CDD}">
-  <ds:schemaRefs>
-    <ds:schemaRef ds:uri="http://schemas.microsoft.com/office/2006/metadata/properties"/>
-    <ds:schemaRef ds:uri="http://schemas.microsoft.com/office/infopath/2007/PartnerControls"/>
-    <ds:schemaRef ds:uri="71af3243-3dd4-4a8d-8c0d-dd76da1f02a5"/>
-  </ds:schemaRefs>
-</ds:datastoreItem>
 </file>